--- a/genrify_presentation.pptx
+++ b/genrify_presentation.pptx
@@ -235,7 +235,7 @@
             <a:fld id="{877130AC-1169-47BD-87F5-AFD9E79DDC3D}" type="datetimeFigureOut">
               <a:rPr lang="en-US" smtClean="0"/>
               <a:pPr/>
-              <a:t>11/25/2016</a:t>
+              <a:t>11/25/16</a:t>
             </a:fld>
             <a:endParaRPr lang="en-US"/>
           </a:p>
@@ -402,7 +402,7 @@
             <a:fld id="{16D3C603-3B65-4AB7-82D6-2288B2E2AD50}" type="datetimeFigureOut">
               <a:rPr lang="en-US" smtClean="0"/>
               <a:pPr/>
-              <a:t>11/25/2016</a:t>
+              <a:t>11/25/16</a:t>
             </a:fld>
             <a:endParaRPr lang="en-US"/>
           </a:p>
@@ -2719,14 +2719,23 @@
             <a:pPr lvl="0" algn="ctr"/>
             <a:r>
               <a:rPr lang="en-US" cap="none" dirty="0" smtClean="0"/>
-              <a:t>Henri Toussaint</a:t>
-            </a:r>
+              <a:t>Henri </a:t>
+            </a:r>
+            <a:r>
+              <a:rPr lang="en-US" cap="none" dirty="0" smtClean="0"/>
+              <a:t>Toussaint</a:t>
+            </a:r>
+            <a:endParaRPr lang="en-US" cap="none" dirty="0" smtClean="0"/>
           </a:p>
           <a:p>
             <a:pPr lvl="0" algn="ctr"/>
             <a:r>
               <a:rPr lang="en-US" cap="none" dirty="0"/>
-              <a:t>Victor Saint </a:t>
+              <a:t>Victor </a:t>
+            </a:r>
+            <a:r>
+              <a:rPr lang="en-US" cap="none" dirty="0" smtClean="0"/>
+              <a:t>Saint </a:t>
             </a:r>
             <a:r>
               <a:rPr lang="en-US" cap="none" dirty="0" err="1" smtClean="0"/>
@@ -2737,8 +2746,16 @@
           <a:p>
             <a:pPr lvl="0" algn="ctr"/>
             <a:r>
+              <a:rPr lang="en-US" cap="none" dirty="0" err="1" smtClean="0"/>
+              <a:t>Benoît</a:t>
+            </a:r>
+            <a:r>
               <a:rPr lang="en-US" cap="none" dirty="0" smtClean="0"/>
-              <a:t>Benoît Lafon</a:t>
+              <a:t> </a:t>
+            </a:r>
+            <a:r>
+              <a:rPr lang="en-US" cap="none" dirty="0" smtClean="0"/>
+              <a:t>Lafon</a:t>
             </a:r>
             <a:endParaRPr lang="en-US" cap="none" dirty="0"/>
           </a:p>
@@ -3019,11 +3036,7 @@
           <a:p>
             <a:r>
               <a:rPr lang="en-US" dirty="0" smtClean="0"/>
-              <a:t>We collected 2000 tracks based on their genres. </a:t>
-            </a:r>
-            <a:r>
-              <a:rPr lang="en-US" dirty="0" smtClean="0"/>
-              <a:t>Genres was beforehand handpicked such that we had 20 genres.</a:t>
+              <a:t>We collected 2000 tracks based on their genres. Genres was beforehand handpicked such that we had 20 genres.</a:t>
             </a:r>
           </a:p>
           <a:p>
@@ -3629,13 +3642,8 @@
           <a:p>
             <a:r>
               <a:rPr lang="en-US" dirty="0" smtClean="0"/>
-              <a:t>We plotted the confusion matrix for the best model </a:t>
-            </a:r>
-            <a:r>
-              <a:rPr lang="en-US" dirty="0" smtClean="0"/>
-              <a:t>to assess the classification distribution.</a:t>
-            </a:r>
-            <a:endParaRPr lang="en-US" dirty="0" smtClean="0"/>
+              <a:t>We plotted the confusion matrix for the best model to assess the classification distribution.</a:t>
+            </a:r>
           </a:p>
           <a:p>
             <a:r>
@@ -3647,11 +3655,7 @@
           <a:p>
             <a:r>
               <a:rPr lang="en-US" dirty="0" smtClean="0"/>
-              <a:t>For e</a:t>
-            </a:r>
-            <a:r>
-              <a:rPr lang="en-US" dirty="0" smtClean="0"/>
-              <a:t>ach model, we performed </a:t>
+              <a:t>For each model, we performed </a:t>
             </a:r>
             <a:r>
               <a:rPr lang="en-US" dirty="0"/>
@@ -3790,21 +3794,21 @@
                 <a:gridCol w="2209800">
                   <a:extLst>
                     <a:ext uri="{9D8B030D-6E8A-4147-A177-3AD203B41FA5}">
-                      <a16:colId xmlns:a16="http://schemas.microsoft.com/office/drawing/2014/main" val="3030602544"/>
+                      <a16:colId xmlns:a16="http://schemas.microsoft.com/office/drawing/2014/main" xmlns="" val="3030602544"/>
                     </a:ext>
                   </a:extLst>
                 </a:gridCol>
                 <a:gridCol w="3505200">
                   <a:extLst>
                     <a:ext uri="{9D8B030D-6E8A-4147-A177-3AD203B41FA5}">
-                      <a16:colId xmlns:a16="http://schemas.microsoft.com/office/drawing/2014/main" val="2590406836"/>
+                      <a16:colId xmlns:a16="http://schemas.microsoft.com/office/drawing/2014/main" xmlns="" val="2590406836"/>
                     </a:ext>
                   </a:extLst>
                 </a:gridCol>
                 <a:gridCol w="1752600">
                   <a:extLst>
                     <a:ext uri="{9D8B030D-6E8A-4147-A177-3AD203B41FA5}">
-                      <a16:colId xmlns:a16="http://schemas.microsoft.com/office/drawing/2014/main" val="2422119549"/>
+                      <a16:colId xmlns:a16="http://schemas.microsoft.com/office/drawing/2014/main" xmlns="" val="2422119549"/>
                     </a:ext>
                   </a:extLst>
                 </a:gridCol>
@@ -3851,7 +3855,7 @@
                 </a:tc>
                 <a:extLst>
                   <a:ext uri="{0D108BD9-81ED-4DB2-BD59-A6C34878D82A}">
-                    <a16:rowId xmlns:a16="http://schemas.microsoft.com/office/drawing/2014/main" val="87940141"/>
+                    <a16:rowId xmlns:a16="http://schemas.microsoft.com/office/drawing/2014/main" xmlns="" val="87940141"/>
                   </a:ext>
                 </a:extLst>
               </a:tr>
@@ -3903,7 +3907,7 @@
                 </a:tc>
                 <a:extLst>
                   <a:ext uri="{0D108BD9-81ED-4DB2-BD59-A6C34878D82A}">
-                    <a16:rowId xmlns:a16="http://schemas.microsoft.com/office/drawing/2014/main" val="2082379726"/>
+                    <a16:rowId xmlns:a16="http://schemas.microsoft.com/office/drawing/2014/main" xmlns="" val="2082379726"/>
                   </a:ext>
                 </a:extLst>
               </a:tr>
@@ -3948,7 +3952,7 @@
                 </a:tc>
                 <a:extLst>
                   <a:ext uri="{0D108BD9-81ED-4DB2-BD59-A6C34878D82A}">
-                    <a16:rowId xmlns:a16="http://schemas.microsoft.com/office/drawing/2014/main" val="2507870546"/>
+                    <a16:rowId xmlns:a16="http://schemas.microsoft.com/office/drawing/2014/main" xmlns="" val="2507870546"/>
                   </a:ext>
                 </a:extLst>
               </a:tr>
@@ -4004,7 +4008,7 @@
                 </a:tc>
                 <a:extLst>
                   <a:ext uri="{0D108BD9-81ED-4DB2-BD59-A6C34878D82A}">
-                    <a16:rowId xmlns:a16="http://schemas.microsoft.com/office/drawing/2014/main" val="3516908593"/>
+                    <a16:rowId xmlns:a16="http://schemas.microsoft.com/office/drawing/2014/main" xmlns="" val="3516908593"/>
                   </a:ext>
                 </a:extLst>
               </a:tr>
@@ -4074,7 +4078,7 @@
                 </a:tc>
                 <a:extLst>
                   <a:ext uri="{0D108BD9-81ED-4DB2-BD59-A6C34878D82A}">
-                    <a16:rowId xmlns:a16="http://schemas.microsoft.com/office/drawing/2014/main" val="2199381540"/>
+                    <a16:rowId xmlns:a16="http://schemas.microsoft.com/office/drawing/2014/main" xmlns="" val="2199381540"/>
                   </a:ext>
                 </a:extLst>
               </a:tr>
@@ -4135,7 +4139,7 @@
                 </a:tc>
                 <a:extLst>
                   <a:ext uri="{0D108BD9-81ED-4DB2-BD59-A6C34878D82A}">
-                    <a16:rowId xmlns:a16="http://schemas.microsoft.com/office/drawing/2014/main" val="3637674884"/>
+                    <a16:rowId xmlns:a16="http://schemas.microsoft.com/office/drawing/2014/main" xmlns="" val="3637674884"/>
                   </a:ext>
                 </a:extLst>
               </a:tr>
@@ -4167,11 +4171,7 @@
                       </a:r>
                       <a:r>
                         <a:rPr lang="en-US" dirty="0" smtClean="0"/>
-                        <a:t>identity</a:t>
-                      </a:r>
-                      <a:r>
-                        <a:rPr lang="en-US" dirty="0" smtClean="0"/>
-                        <a:t>, </a:t>
+                        <a:t>identity, </a:t>
                       </a:r>
                       <a:r>
                         <a:rPr lang="en-US" dirty="0" err="1" smtClean="0"/>
@@ -4202,7 +4202,7 @@
                 </a:tc>
                 <a:extLst>
                   <a:ext uri="{0D108BD9-81ED-4DB2-BD59-A6C34878D82A}">
-                    <a16:rowId xmlns:a16="http://schemas.microsoft.com/office/drawing/2014/main" val="3748847776"/>
+                    <a16:rowId xmlns:a16="http://schemas.microsoft.com/office/drawing/2014/main" xmlns="" val="3748847776"/>
                   </a:ext>
                 </a:extLst>
               </a:tr>
@@ -4234,11 +4234,7 @@
                       </a:r>
                       <a:r>
                         <a:rPr lang="en-US" dirty="0" err="1" smtClean="0"/>
-                        <a:t>h</a:t>
-                      </a:r>
-                      <a:r>
-                        <a:rPr lang="en-US" dirty="0" err="1" smtClean="0"/>
-                        <a:t>id_layer</a:t>
+                        <a:t>hid_layer</a:t>
                       </a:r>
                       <a:r>
                         <a:rPr lang="en-US" dirty="0" smtClean="0"/>
@@ -4265,7 +4261,7 @@
                 </a:tc>
                 <a:extLst>
                   <a:ext uri="{0D108BD9-81ED-4DB2-BD59-A6C34878D82A}">
-                    <a16:rowId xmlns:a16="http://schemas.microsoft.com/office/drawing/2014/main" val="3629774451"/>
+                    <a16:rowId xmlns:a16="http://schemas.microsoft.com/office/drawing/2014/main" xmlns="" val="3629774451"/>
                   </a:ext>
                 </a:extLst>
               </a:tr>
@@ -4338,7 +4334,7 @@
                 </a:tc>
                 <a:extLst>
                   <a:ext uri="{0D108BD9-81ED-4DB2-BD59-A6C34878D82A}">
-                    <a16:rowId xmlns:a16="http://schemas.microsoft.com/office/drawing/2014/main" val="1594082664"/>
+                    <a16:rowId xmlns:a16="http://schemas.microsoft.com/office/drawing/2014/main" xmlns="" val="1594082664"/>
                   </a:ext>
                 </a:extLst>
               </a:tr>
@@ -4387,7 +4383,7 @@
                 </a:tc>
                 <a:extLst>
                   <a:ext uri="{0D108BD9-81ED-4DB2-BD59-A6C34878D82A}">
-                    <a16:rowId xmlns:a16="http://schemas.microsoft.com/office/drawing/2014/main" val="2824835460"/>
+                    <a16:rowId xmlns:a16="http://schemas.microsoft.com/office/drawing/2014/main" xmlns="" val="2824835460"/>
                   </a:ext>
                 </a:extLst>
               </a:tr>
@@ -4436,7 +4432,7 @@
                 </a:tc>
                 <a:extLst>
                   <a:ext uri="{0D108BD9-81ED-4DB2-BD59-A6C34878D82A}">
-                    <a16:rowId xmlns:a16="http://schemas.microsoft.com/office/drawing/2014/main" val="3997937334"/>
+                    <a16:rowId xmlns:a16="http://schemas.microsoft.com/office/drawing/2014/main" xmlns="" val="3997937334"/>
                   </a:ext>
                 </a:extLst>
               </a:tr>
@@ -4477,8 +4473,8 @@
         </p:nvSpPr>
         <p:spPr>
           <a:xfrm>
-            <a:off x="814114" y="6289664"/>
-            <a:ext cx="6753772" cy="369332"/>
+            <a:off x="1501000" y="6205252"/>
+            <a:ext cx="5710218" cy="646331"/>
           </a:xfrm>
           <a:prstGeom prst="rect">
             <a:avLst/>
@@ -4497,7 +4493,21 @@
             </a:r>
             <a:r>
               <a:rPr lang="en-US" dirty="0" smtClean="0"/>
-              <a:t>was using Neural Network</a:t>
+              <a:t>considering </a:t>
+            </a:r>
+          </a:p>
+          <a:p>
+            <a:r>
+              <a:rPr lang="en-US" dirty="0" smtClean="0"/>
+              <a:t>efficiency AND speed was </a:t>
+            </a:r>
+            <a:r>
+              <a:rPr lang="en-US" dirty="0" smtClean="0"/>
+              <a:t>using </a:t>
+            </a:r>
+            <a:r>
+              <a:rPr lang="en-US" dirty="0" smtClean="0"/>
+              <a:t>Logistic Regression</a:t>
             </a:r>
             <a:endParaRPr lang="en-US" dirty="0"/>
           </a:p>
@@ -4555,62 +4565,234 @@
           </a:p>
         </p:txBody>
       </p:sp>
-      <p:sp>
-        <p:nvSpPr>
-          <p:cNvPr id="3" name="Content Placeholder 2"/>
-          <p:cNvSpPr>
-            <a:spLocks noGrp="1"/>
-          </p:cNvSpPr>
-          <p:nvPr>
-            <p:ph sz="quarter" idx="1"/>
-          </p:nvPr>
-        </p:nvSpPr>
-        <p:spPr/>
-        <p:txBody>
-          <a:bodyPr/>
-          <a:lstStyle/>
-          <a:p>
-            <a:r>
-              <a:rPr lang="en-US" dirty="0"/>
-              <a:t>&lt;Based on your model, what were the top features. Here is an example&gt;</a:t>
-            </a:r>
-          </a:p>
-          <a:p>
-            <a:r>
-              <a:rPr lang="en-US" dirty="0"/>
-              <a:t>Based on my model, which is … (see previous slide), top features for</a:t>
-            </a:r>
-          </a:p>
-          <a:p>
-            <a:pPr lvl="1"/>
-            <a:r>
-              <a:rPr lang="en-US" dirty="0"/>
-              <a:t>Republican class</a:t>
-            </a:r>
-          </a:p>
-          <a:p>
-            <a:pPr lvl="2"/>
-            <a:r>
-              <a:rPr lang="en-US" dirty="0"/>
-              <a:t>…</a:t>
-            </a:r>
-          </a:p>
-          <a:p>
-            <a:pPr lvl="1"/>
-            <a:r>
-              <a:rPr lang="en-US" dirty="0"/>
-              <a:t>Democrat class</a:t>
-            </a:r>
-          </a:p>
-          <a:p>
-            <a:pPr lvl="2"/>
-            <a:r>
-              <a:rPr lang="en-US" dirty="0"/>
-              <a:t>…</a:t>
-            </a:r>
-          </a:p>
-        </p:txBody>
-      </p:sp>
+      <mc:AlternateContent xmlns:mc="http://schemas.openxmlformats.org/markup-compatibility/2006">
+        <mc:Choice xmlns:a14="http://schemas.microsoft.com/office/drawing/2010/main" Requires="a14">
+          <p:sp>
+            <p:nvSpPr>
+              <p:cNvPr id="3" name="Content Placeholder 2"/>
+              <p:cNvSpPr>
+                <a:spLocks noGrp="1"/>
+              </p:cNvSpPr>
+              <p:nvPr>
+                <p:ph sz="quarter" idx="1"/>
+              </p:nvPr>
+            </p:nvSpPr>
+            <p:spPr/>
+            <p:txBody>
+              <a:bodyPr>
+                <a:normAutofit/>
+              </a:bodyPr>
+              <a:lstStyle/>
+              <a:p>
+                <a:r>
+                  <a:rPr lang="en-US" dirty="0" smtClean="0"/>
+                  <a:t>Based on my model, which is Logistic Regression, top features </a:t>
+                </a:r>
+                <a14:m>
+                  <m:oMath xmlns:m="http://schemas.openxmlformats.org/officeDocument/2006/math">
+                    <m:r>
+                      <a:rPr lang="fr-FR" b="0" i="1" smtClean="0">
+                        <a:latin typeface="Cambria Math" charset="0"/>
+                      </a:rPr>
+                      <m:t>−</m:t>
+                    </m:r>
+                  </m:oMath>
+                </a14:m>
+                <a:r>
+                  <a:rPr lang="en-US" dirty="0" smtClean="0"/>
+                  <a:t> for a few attributes </a:t>
+                </a:r>
+                <a14:m>
+                  <m:oMath xmlns:m="http://schemas.openxmlformats.org/officeDocument/2006/math">
+                    <m:r>
+                      <a:rPr lang="fr-FR" b="0" i="1" smtClean="0">
+                        <a:latin typeface="Cambria Math" charset="0"/>
+                      </a:rPr>
+                      <m:t>−</m:t>
+                    </m:r>
+                  </m:oMath>
+                </a14:m>
+                <a:r>
+                  <a:rPr lang="en-US" dirty="0" smtClean="0"/>
+                  <a:t> are</a:t>
+                </a:r>
+              </a:p>
+              <a:p>
+                <a:pPr lvl="1"/>
+                <a:r>
+                  <a:rPr lang="en-US" dirty="0" smtClean="0"/>
+                  <a:t>Classical </a:t>
+                </a:r>
+                <a:r>
+                  <a:rPr lang="en-US" dirty="0" smtClean="0"/>
+                  <a:t>class</a:t>
+                </a:r>
+                <a:endParaRPr lang="en-US" dirty="0"/>
+              </a:p>
+              <a:p>
+                <a:pPr lvl="2"/>
+                <a:r>
+                  <a:rPr lang="en-US" dirty="0" smtClean="0"/>
+                  <a:t>Best </a:t>
+                </a:r>
+                <a:r>
+                  <a:rPr lang="en-US" dirty="0" smtClean="0">
+                    <a:sym typeface="Wingdings"/>
+                  </a:rPr>
+                  <a:t> </a:t>
+                </a:r>
+                <a:r>
+                  <a:rPr lang="en-US" dirty="0" err="1" smtClean="0"/>
+                  <a:t>acousticness</a:t>
+                </a:r>
+                <a:endParaRPr lang="en-US" dirty="0"/>
+              </a:p>
+              <a:p>
+                <a:pPr lvl="2"/>
+                <a:r>
+                  <a:rPr lang="en-US" dirty="0"/>
+                  <a:t>W</a:t>
+                </a:r>
+                <a:r>
+                  <a:rPr lang="en-US" dirty="0" smtClean="0"/>
+                  <a:t>orst </a:t>
+                </a:r>
+                <a:r>
+                  <a:rPr lang="en-US" dirty="0" smtClean="0">
+                    <a:sym typeface="Wingdings"/>
+                  </a:rPr>
+                  <a:t> </a:t>
+                </a:r>
+                <a:r>
+                  <a:rPr lang="en-US" dirty="0" err="1" smtClean="0"/>
+                  <a:t>danceability</a:t>
+                </a:r>
+                <a:endParaRPr lang="en-US" dirty="0"/>
+              </a:p>
+              <a:p>
+                <a:pPr lvl="1"/>
+                <a:r>
+                  <a:rPr lang="en-US" dirty="0" smtClean="0"/>
+                  <a:t>Reggae class</a:t>
+                </a:r>
+                <a:endParaRPr lang="en-US" dirty="0"/>
+              </a:p>
+              <a:p>
+                <a:pPr lvl="2"/>
+                <a:r>
+                  <a:rPr lang="en-US" dirty="0"/>
+                  <a:t>Best </a:t>
+                </a:r>
+                <a:r>
+                  <a:rPr lang="en-US" dirty="0">
+                    <a:sym typeface="Wingdings"/>
+                  </a:rPr>
+                  <a:t> </a:t>
+                </a:r>
+                <a:r>
+                  <a:rPr lang="en-US" dirty="0" err="1" smtClean="0"/>
+                  <a:t>speechiness</a:t>
+                </a:r>
+                <a:endParaRPr lang="en-US" dirty="0"/>
+              </a:p>
+              <a:p>
+                <a:pPr lvl="2"/>
+                <a:r>
+                  <a:rPr lang="en-US" dirty="0" smtClean="0"/>
+                  <a:t>Worst </a:t>
+                </a:r>
+                <a:r>
+                  <a:rPr lang="en-US" dirty="0" smtClean="0">
+                    <a:sym typeface="Wingdings"/>
+                  </a:rPr>
+                  <a:t> </a:t>
+                </a:r>
+                <a:r>
+                  <a:rPr lang="en-US" dirty="0" smtClean="0"/>
+                  <a:t>energy</a:t>
+                </a:r>
+              </a:p>
+              <a:p>
+                <a:pPr lvl="1"/>
+                <a:r>
+                  <a:rPr lang="en-US" dirty="0" smtClean="0"/>
+                  <a:t>Heavy-metal class</a:t>
+                </a:r>
+                <a:endParaRPr lang="en-US" dirty="0"/>
+              </a:p>
+              <a:p>
+                <a:pPr lvl="2"/>
+                <a:r>
+                  <a:rPr lang="en-US" dirty="0"/>
+                  <a:t>Best </a:t>
+                </a:r>
+                <a:r>
+                  <a:rPr lang="en-US" dirty="0">
+                    <a:sym typeface="Wingdings"/>
+                  </a:rPr>
+                  <a:t> </a:t>
+                </a:r>
+                <a:r>
+                  <a:rPr lang="en-US" dirty="0" smtClean="0"/>
+                  <a:t>energy</a:t>
+                </a:r>
+                <a:endParaRPr lang="en-US" dirty="0"/>
+              </a:p>
+              <a:p>
+                <a:pPr lvl="2"/>
+                <a:r>
+                  <a:rPr lang="en-US" dirty="0"/>
+                  <a:t>Worst </a:t>
+                </a:r>
+                <a:r>
+                  <a:rPr lang="en-US" dirty="0">
+                    <a:sym typeface="Wingdings"/>
+                  </a:rPr>
+                  <a:t> </a:t>
+                </a:r>
+                <a:r>
+                  <a:rPr lang="en-US" smtClean="0"/>
+                  <a:t>acousticness</a:t>
+                </a:r>
+                <a:endParaRPr lang="en-US"/>
+              </a:p>
+            </p:txBody>
+          </p:sp>
+        </mc:Choice>
+        <mc:Fallback>
+          <p:sp>
+            <p:nvSpPr>
+              <p:cNvPr id="3" name="Content Placeholder 2"/>
+              <p:cNvSpPr>
+                <a:spLocks noGrp="1" noRot="1" noChangeAspect="1" noMove="1" noResize="1" noEditPoints="1" noAdjustHandles="1" noChangeArrowheads="1" noChangeShapeType="1" noTextEdit="1"/>
+              </p:cNvSpPr>
+              <p:nvPr>
+                <p:ph sz="quarter" idx="1"/>
+              </p:nvPr>
+            </p:nvSpPr>
+            <p:spPr>
+              <a:blipFill rotWithShape="0">
+                <a:blip r:embed="rId2"/>
+                <a:stretch>
+                  <a:fillRect l="-327" t="-375" r="-1633"/>
+                </a:stretch>
+              </a:blipFill>
+            </p:spPr>
+            <p:txBody>
+              <a:bodyPr/>
+              <a:lstStyle/>
+              <a:p>
+                <a:r>
+                  <a:rPr lang="fr-FR">
+                    <a:noFill/>
+                  </a:rPr>
+                  <a:t> </a:t>
+                </a:r>
+              </a:p>
+            </p:txBody>
+          </p:sp>
+        </mc:Fallback>
+      </mc:AlternateContent>
       <p:sp>
         <p:nvSpPr>
           <p:cNvPr id="4" name="Slide Number Placeholder 3"/>
@@ -4633,6 +4815,32 @@
               <a:t>9</a:t>
             </a:fld>
             <a:endParaRPr kumimoji="0" lang="en-US"/>
+          </a:p>
+        </p:txBody>
+      </p:sp>
+      <p:sp>
+        <p:nvSpPr>
+          <p:cNvPr id="5" name="ZoneTexte 4"/>
+          <p:cNvSpPr txBox="1"/>
+          <p:nvPr/>
+        </p:nvSpPr>
+        <p:spPr>
+          <a:xfrm>
+            <a:off x="2165684" y="5919537"/>
+            <a:ext cx="184731" cy="369332"/>
+          </a:xfrm>
+          <a:prstGeom prst="rect">
+            <a:avLst/>
+          </a:prstGeom>
+          <a:noFill/>
+        </p:spPr>
+        <p:txBody>
+          <a:bodyPr wrap="none" rtlCol="0">
+            <a:spAutoFit/>
+          </a:bodyPr>
+          <a:lstStyle/>
+          <a:p>
+            <a:endParaRPr lang="fr-FR" dirty="0"/>
           </a:p>
         </p:txBody>
       </p:sp>

--- a/genrify_presentation.pptx
+++ b/genrify_presentation.pptx
@@ -5,10 +5,10 @@
     <p:sldMasterId id="2147483672" r:id="rId1"/>
   </p:sldMasterIdLst>
   <p:notesMasterIdLst>
-    <p:notesMasterId r:id="rId12"/>
+    <p:notesMasterId r:id="rId14"/>
   </p:notesMasterIdLst>
   <p:handoutMasterIdLst>
-    <p:handoutMasterId r:id="rId13"/>
+    <p:handoutMasterId r:id="rId15"/>
   </p:handoutMasterIdLst>
   <p:sldIdLst>
     <p:sldId id="328" r:id="rId2"/>
@@ -21,6 +21,8 @@
     <p:sldId id="334" r:id="rId9"/>
     <p:sldId id="335" r:id="rId10"/>
     <p:sldId id="336" r:id="rId11"/>
+    <p:sldId id="338" r:id="rId12"/>
+    <p:sldId id="339" r:id="rId13"/>
   </p:sldIdLst>
   <p:sldSz cx="9144000" cy="6858000" type="screen4x3"/>
   <p:notesSz cx="6858000" cy="9144000"/>
@@ -235,7 +237,7 @@
             <a:fld id="{877130AC-1169-47BD-87F5-AFD9E79DDC3D}" type="datetimeFigureOut">
               <a:rPr lang="en-US" smtClean="0"/>
               <a:pPr/>
-              <a:t>11/25/16</a:t>
+              <a:t>11/25/2016</a:t>
             </a:fld>
             <a:endParaRPr lang="en-US"/>
           </a:p>
@@ -302,7 +304,7 @@
             <a:fld id="{E1F7480B-C27C-446E-AADB-C78AD07FD3CD}" type="slidenum">
               <a:rPr lang="en-US" smtClean="0"/>
               <a:pPr/>
-              <a:t>‹#›</a:t>
+              <a:t>‹N°›</a:t>
             </a:fld>
             <a:endParaRPr lang="en-US"/>
           </a:p>
@@ -402,7 +404,7 @@
             <a:fld id="{16D3C603-3B65-4AB7-82D6-2288B2E2AD50}" type="datetimeFigureOut">
               <a:rPr lang="en-US" smtClean="0"/>
               <a:pPr/>
-              <a:t>11/25/16</a:t>
+              <a:t>11/25/2016</a:t>
             </a:fld>
             <a:endParaRPr lang="en-US"/>
           </a:p>
@@ -563,7 +565,7 @@
             <a:fld id="{E49C6714-DB55-4642-89AE-3D1E79A974A4}" type="slidenum">
               <a:rPr lang="en-US" smtClean="0"/>
               <a:pPr/>
-              <a:t>‹#›</a:t>
+              <a:t>‹N°›</a:t>
             </a:fld>
             <a:endParaRPr lang="en-US"/>
           </a:p>
@@ -1719,7 +1721,7 @@
             <a:fld id="{2BBB5E19-F10A-4C2F-BF6F-11C513378A2E}" type="slidenum">
               <a:rPr kumimoji="0" lang="en-US" smtClean="0"/>
               <a:pPr algn="ctr" eaLnBrk="1" latinLnBrk="0" hangingPunct="1"/>
-              <a:t>‹#›</a:t>
+              <a:t>‹N°›</a:t>
             </a:fld>
             <a:endParaRPr kumimoji="0" lang="en-US"/>
           </a:p>
@@ -1769,7 +1771,7 @@
             <a:fld id="{2BBB5E19-F10A-4C2F-BF6F-11C513378A2E}" type="slidenum">
               <a:rPr kumimoji="0" lang="en-US" smtClean="0"/>
               <a:pPr algn="ctr" eaLnBrk="1" latinLnBrk="0" hangingPunct="1"/>
-              <a:t>‹#›</a:t>
+              <a:t>‹N°›</a:t>
             </a:fld>
             <a:endParaRPr kumimoji="0" lang="en-US" sz="1400" b="1" dirty="0">
               <a:solidFill>
@@ -1877,7 +1879,7 @@
             <a:fld id="{2BBB5E19-F10A-4C2F-BF6F-11C513378A2E}" type="slidenum">
               <a:rPr kumimoji="0" lang="en-US" smtClean="0"/>
               <a:pPr algn="ctr" eaLnBrk="1" latinLnBrk="0" hangingPunct="1"/>
-              <a:t>‹#›</a:t>
+              <a:t>‹N°›</a:t>
             </a:fld>
             <a:endParaRPr kumimoji="0" lang="en-US"/>
           </a:p>
@@ -1926,7 +1928,7 @@
             <a:fld id="{2BBB5E19-F10A-4C2F-BF6F-11C513378A2E}" type="slidenum">
               <a:rPr kumimoji="0" lang="en-US" smtClean="0"/>
               <a:pPr/>
-              <a:t>‹#›</a:t>
+              <a:t>‹N°›</a:t>
             </a:fld>
             <a:endParaRPr kumimoji="0" lang="en-US"/>
           </a:p>
@@ -2331,7 +2333,7 @@
             <a:fld id="{2BBB5E19-F10A-4C2F-BF6F-11C513378A2E}" type="slidenum">
               <a:rPr kumimoji="0" lang="en-US" smtClean="0"/>
               <a:pPr algn="ctr" eaLnBrk="1" latinLnBrk="0" hangingPunct="1"/>
-              <a:t>‹#›</a:t>
+              <a:t>‹N°›</a:t>
             </a:fld>
             <a:endParaRPr kumimoji="0" lang="en-US" sz="1400" b="1" dirty="0">
               <a:solidFill>
@@ -2698,11 +2700,11 @@
           <a:p>
             <a:pPr lvl="0" algn="ctr"/>
             <a:r>
-              <a:rPr lang="en-US" sz="3800" cap="none" dirty="0" err="1" smtClean="0"/>
+              <a:rPr lang="en-US" sz="3800" cap="none" dirty="0" err="1"/>
               <a:t>Genrify</a:t>
             </a:r>
             <a:r>
-              <a:rPr lang="en-US" sz="3800" cap="none" dirty="0" smtClean="0"/>
+              <a:rPr lang="en-US" sz="3800" cap="none" dirty="0"/>
               <a:t> Project</a:t>
             </a:r>
             <a:endParaRPr lang="en-US" cap="none" dirty="0"/>
@@ -2710,54 +2712,39 @@
           <a:p>
             <a:pPr lvl="0" algn="ctr"/>
             <a:r>
-              <a:rPr lang="en-US" cap="none" dirty="0" smtClean="0"/>
+              <a:rPr lang="en-US" cap="none" dirty="0"/>
               <a:t>by</a:t>
             </a:r>
+          </a:p>
+          <a:p>
+            <a:pPr lvl="0" algn="ctr"/>
+            <a:r>
+              <a:rPr lang="en-US" cap="none" dirty="0"/>
+              <a:t>Henri Toussaint</a:t>
+            </a:r>
+          </a:p>
+          <a:p>
+            <a:pPr lvl="0" algn="ctr"/>
+            <a:r>
+              <a:rPr lang="en-US" cap="none" dirty="0"/>
+              <a:t>Victor Saint </a:t>
+            </a:r>
+            <a:r>
+              <a:rPr lang="en-US" cap="none" dirty="0" err="1"/>
+              <a:t>Guilhem</a:t>
+            </a:r>
             <a:endParaRPr lang="en-US" cap="none" dirty="0"/>
           </a:p>
           <a:p>
             <a:pPr lvl="0" algn="ctr"/>
             <a:r>
-              <a:rPr lang="en-US" cap="none" dirty="0" smtClean="0"/>
-              <a:t>Henri </a:t>
-            </a:r>
-            <a:r>
-              <a:rPr lang="en-US" cap="none" dirty="0" smtClean="0"/>
-              <a:t>Toussaint</a:t>
-            </a:r>
-            <a:endParaRPr lang="en-US" cap="none" dirty="0" smtClean="0"/>
-          </a:p>
-          <a:p>
-            <a:pPr lvl="0" algn="ctr"/>
+              <a:rPr lang="en-US" cap="none" dirty="0" err="1"/>
+              <a:t>Benoît</a:t>
+            </a:r>
             <a:r>
               <a:rPr lang="en-US" cap="none" dirty="0"/>
-              <a:t>Victor </a:t>
-            </a:r>
-            <a:r>
-              <a:rPr lang="en-US" cap="none" dirty="0" smtClean="0"/>
-              <a:t>Saint </a:t>
-            </a:r>
-            <a:r>
-              <a:rPr lang="en-US" cap="none" dirty="0" err="1" smtClean="0"/>
-              <a:t>Guilhem</a:t>
-            </a:r>
-            <a:endParaRPr lang="en-US" cap="none" dirty="0" smtClean="0"/>
-          </a:p>
-          <a:p>
-            <a:pPr lvl="0" algn="ctr"/>
-            <a:r>
-              <a:rPr lang="en-US" cap="none" dirty="0" err="1" smtClean="0"/>
-              <a:t>Benoît</a:t>
-            </a:r>
-            <a:r>
-              <a:rPr lang="en-US" cap="none" dirty="0" smtClean="0"/>
-              <a:t> </a:t>
-            </a:r>
-            <a:r>
-              <a:rPr lang="en-US" cap="none" dirty="0" smtClean="0"/>
-              <a:t>Lafon</a:t>
-            </a:r>
-            <a:endParaRPr lang="en-US" cap="none" dirty="0"/>
+              <a:t> Lafon</a:t>
+            </a:r>
           </a:p>
         </p:txBody>
       </p:sp>
@@ -2826,19 +2813,25 @@
         <p:spPr/>
         <p:txBody>
           <a:bodyPr>
-            <a:normAutofit lnSpcReduction="10000"/>
+            <a:normAutofit/>
           </a:bodyPr>
           <a:lstStyle/>
           <a:p>
             <a:r>
               <a:rPr lang="en-US" dirty="0"/>
-              <a:t>&lt;Discuss a few interesting cases. Use extra slides if needed. Use images if needed. Here is an example.&gt;</a:t>
+              <a:t>While there were some genres that were easily predicted by our model, a majority of the genres were not accurately predicted, as seen on the confusion matrix</a:t>
             </a:r>
           </a:p>
           <a:p>
             <a:r>
               <a:rPr lang="en-US" dirty="0"/>
-              <a:t>Here is a user who tweeted “…”. The user is definitely a Republican, as you can see from the tweet, but my model classified the user as Democrat. The reason is that my model used bag-of-words model and did not take linguistic features into account, because the user used terms that mostly Democrats use, but used in a negative way…</a:t>
+              <a:t>One of those genres is “Rock”, which got classified in a lot of other genres but only two times in the right class</a:t>
+            </a:r>
+          </a:p>
+          <a:p>
+            <a:r>
+              <a:rPr lang="en-US" dirty="0"/>
+              <a:t>However, when we look at some of its subgenres, like Punk-rock, Hard-rock or Heavy-metal, the classifier fares pretty well</a:t>
             </a:r>
           </a:p>
         </p:txBody>
@@ -2872,6 +2865,182 @@
     <p:extLst>
       <p:ext uri="{BB962C8B-B14F-4D97-AF65-F5344CB8AC3E}">
         <p14:creationId xmlns:p14="http://schemas.microsoft.com/office/powerpoint/2010/main" val="3053513882"/>
+      </p:ext>
+    </p:extLst>
+  </p:cSld>
+  <p:clrMapOvr>
+    <a:masterClrMapping/>
+  </p:clrMapOvr>
+</p:sld>
+</file>
+
+<file path=ppt/slides/slide11.xml><?xml version="1.0" encoding="utf-8"?>
+<p:sld xmlns:a="http://schemas.openxmlformats.org/drawingml/2006/main" xmlns:r="http://schemas.openxmlformats.org/officeDocument/2006/relationships" xmlns:p="http://schemas.openxmlformats.org/presentationml/2006/main">
+  <p:cSld>
+    <p:spTree>
+      <p:nvGrpSpPr>
+        <p:cNvPr id="1" name=""/>
+        <p:cNvGrpSpPr/>
+        <p:nvPr/>
+      </p:nvGrpSpPr>
+      <p:grpSpPr>
+        <a:xfrm>
+          <a:off x="0" y="0"/>
+          <a:ext cx="0" cy="0"/>
+          <a:chOff x="0" y="0"/>
+          <a:chExt cx="0" cy="0"/>
+        </a:xfrm>
+      </p:grpSpPr>
+      <p:sp>
+        <p:nvSpPr>
+          <p:cNvPr id="4" name="Espace réservé du numéro de diapositive 3"/>
+          <p:cNvSpPr>
+            <a:spLocks noGrp="1"/>
+          </p:cNvSpPr>
+          <p:nvPr>
+            <p:ph type="sldNum" sz="quarter" idx="15"/>
+          </p:nvPr>
+        </p:nvSpPr>
+        <p:spPr/>
+        <p:txBody>
+          <a:bodyPr/>
+          <a:lstStyle/>
+          <a:p>
+            <a:pPr algn="ctr" eaLnBrk="1" latinLnBrk="0" hangingPunct="1"/>
+            <a:fld id="{2BBB5E19-F10A-4C2F-BF6F-11C513378A2E}" type="slidenum">
+              <a:rPr kumimoji="0" lang="en-US" smtClean="0"/>
+              <a:pPr algn="ctr" eaLnBrk="1" latinLnBrk="0" hangingPunct="1"/>
+              <a:t>11</a:t>
+            </a:fld>
+            <a:endParaRPr kumimoji="0" lang="en-US"/>
+          </a:p>
+        </p:txBody>
+      </p:sp>
+      <p:pic>
+        <p:nvPicPr>
+          <p:cNvPr id="5" name="Image 4"/>
+          <p:cNvPicPr>
+            <a:picLocks noChangeAspect="1"/>
+          </p:cNvPicPr>
+          <p:nvPr/>
+        </p:nvPicPr>
+        <p:blipFill>
+          <a:blip r:embed="rId2">
+            <a:extLst>
+              <a:ext uri="{28A0092B-C50C-407E-A947-70E740481C1C}">
+                <a14:useLocalDpi xmlns:a14="http://schemas.microsoft.com/office/drawing/2010/main" val="0"/>
+              </a:ext>
+            </a:extLst>
+          </a:blip>
+          <a:stretch>
+            <a:fillRect/>
+          </a:stretch>
+        </p:blipFill>
+        <p:spPr>
+          <a:xfrm>
+            <a:off x="1045337" y="0"/>
+            <a:ext cx="7049467" cy="6858000"/>
+          </a:xfrm>
+          <a:prstGeom prst="rect">
+            <a:avLst/>
+          </a:prstGeom>
+        </p:spPr>
+      </p:pic>
+    </p:spTree>
+    <p:extLst>
+      <p:ext uri="{BB962C8B-B14F-4D97-AF65-F5344CB8AC3E}">
+        <p14:creationId xmlns:p14="http://schemas.microsoft.com/office/powerpoint/2010/main" val="3988632671"/>
+      </p:ext>
+    </p:extLst>
+  </p:cSld>
+  <p:clrMapOvr>
+    <a:masterClrMapping/>
+  </p:clrMapOvr>
+</p:sld>
+</file>
+
+<file path=ppt/slides/slide12.xml><?xml version="1.0" encoding="utf-8"?>
+<p:sld xmlns:a="http://schemas.openxmlformats.org/drawingml/2006/main" xmlns:r="http://schemas.openxmlformats.org/officeDocument/2006/relationships" xmlns:p="http://schemas.openxmlformats.org/presentationml/2006/main">
+  <p:cSld>
+    <p:spTree>
+      <p:nvGrpSpPr>
+        <p:cNvPr id="1" name=""/>
+        <p:cNvGrpSpPr/>
+        <p:nvPr/>
+      </p:nvGrpSpPr>
+      <p:grpSpPr>
+        <a:xfrm>
+          <a:off x="0" y="0"/>
+          <a:ext cx="0" cy="0"/>
+          <a:chOff x="0" y="0"/>
+          <a:chExt cx="0" cy="0"/>
+        </a:xfrm>
+      </p:grpSpPr>
+      <p:sp>
+        <p:nvSpPr>
+          <p:cNvPr id="3" name="Espace réservé du contenu 2"/>
+          <p:cNvSpPr>
+            <a:spLocks noGrp="1"/>
+          </p:cNvSpPr>
+          <p:nvPr>
+            <p:ph sz="quarter" idx="1"/>
+          </p:nvPr>
+        </p:nvSpPr>
+        <p:spPr>
+          <a:xfrm>
+            <a:off x="457200" y="304800"/>
+            <a:ext cx="7467600" cy="6169152"/>
+          </a:xfrm>
+        </p:spPr>
+        <p:txBody>
+          <a:bodyPr/>
+          <a:lstStyle/>
+          <a:p>
+            <a:r>
+              <a:rPr lang="en-US" dirty="0"/>
+              <a:t>This phenomenon can easily be explained, as like for Pop, Indie or French, a lot of songs from a broad genre also belongs to a subgenre, and sometimes they can be described as having a bit of multiple genres (hence Pop-rock for example)</a:t>
+            </a:r>
+          </a:p>
+          <a:p>
+            <a:r>
+              <a:rPr lang="en-US" dirty="0"/>
+              <a:t>It can partly be verified by looking at the Rock row on our matrix: the songs are predicted mostly as either country (a lot of American rock bands have a country feeling to their songs), Hard-rock, Heavy-metal or Punk-rock</a:t>
+            </a:r>
+          </a:p>
+          <a:p>
+            <a:endParaRPr lang="en-US" dirty="0"/>
+          </a:p>
+        </p:txBody>
+      </p:sp>
+      <p:sp>
+        <p:nvSpPr>
+          <p:cNvPr id="4" name="Espace réservé du numéro de diapositive 3"/>
+          <p:cNvSpPr>
+            <a:spLocks noGrp="1"/>
+          </p:cNvSpPr>
+          <p:nvPr>
+            <p:ph type="sldNum" sz="quarter" idx="15"/>
+          </p:nvPr>
+        </p:nvSpPr>
+        <p:spPr/>
+        <p:txBody>
+          <a:bodyPr/>
+          <a:lstStyle/>
+          <a:p>
+            <a:pPr algn="ctr" eaLnBrk="1" latinLnBrk="0" hangingPunct="1"/>
+            <a:fld id="{2BBB5E19-F10A-4C2F-BF6F-11C513378A2E}" type="slidenum">
+              <a:rPr kumimoji="0" lang="en-US" smtClean="0"/>
+              <a:pPr algn="ctr" eaLnBrk="1" latinLnBrk="0" hangingPunct="1"/>
+              <a:t>12</a:t>
+            </a:fld>
+            <a:endParaRPr kumimoji="0" lang="en-US"/>
+          </a:p>
+        </p:txBody>
+      </p:sp>
+    </p:spTree>
+    <p:extLst>
+      <p:ext uri="{BB962C8B-B14F-4D97-AF65-F5344CB8AC3E}">
+        <p14:creationId xmlns:p14="http://schemas.microsoft.com/office/powerpoint/2010/main" val="1438254118"/>
       </p:ext>
     </p:extLst>
   </p:cSld>
@@ -2936,7 +3105,7 @@
           <a:lstStyle/>
           <a:p>
             <a:r>
-              <a:rPr lang="en-US" dirty="0" smtClean="0"/>
+              <a:rPr lang="en-US" dirty="0"/>
               <a:t>Given a set of attributes characterizing a song from the Spotify platform, predict its genre.</a:t>
             </a:r>
           </a:p>
@@ -3035,22 +3204,21 @@
           <a:lstStyle/>
           <a:p>
             <a:r>
-              <a:rPr lang="en-US" dirty="0" smtClean="0"/>
+              <a:rPr lang="en-US" dirty="0"/>
               <a:t>We collected 2000 tracks based on their genres. Genres was beforehand handpicked such that we had 20 genres.</a:t>
             </a:r>
           </a:p>
           <a:p>
             <a:r>
-              <a:rPr lang="en-US" dirty="0" smtClean="0"/>
+              <a:rPr lang="en-US" dirty="0"/>
               <a:t>Each track was characterized by 13 attributes each of them numerical.</a:t>
             </a:r>
           </a:p>
           <a:p>
             <a:r>
-              <a:rPr lang="en-US" dirty="0" smtClean="0"/>
+              <a:rPr lang="en-US" dirty="0"/>
               <a:t>Thus, our data was made of 2000 rows for 14 columns including the target variable.</a:t>
             </a:r>
-            <a:endParaRPr lang="en-US" dirty="0"/>
           </a:p>
         </p:txBody>
       </p:sp>
@@ -3089,13 +3257,6 @@
   <p:clrMapOvr>
     <a:masterClrMapping/>
   </p:clrMapOvr>
-  <p:timing>
-    <p:tnLst>
-      <p:par>
-        <p:cTn id="1" dur="indefinite" restart="never" nodeType="tmRoot"/>
-      </p:par>
-    </p:tnLst>
-  </p:timing>
 </p:sld>
 </file>
 
@@ -3219,13 +3380,6 @@
   <p:clrMapOvr>
     <a:masterClrMapping/>
   </p:clrMapOvr>
-  <p:timing>
-    <p:tnLst>
-      <p:par>
-        <p:cTn id="1" dur="indefinite" restart="never" nodeType="tmRoot"/>
-      </p:par>
-    </p:tnLst>
-  </p:timing>
 </p:sld>
 </file>
 
@@ -3284,11 +3438,11 @@
           <a:lstStyle/>
           <a:p>
             <a:r>
-              <a:rPr lang="en-US" dirty="0" err="1" smtClean="0"/>
+              <a:rPr lang="en-US" dirty="0" err="1"/>
               <a:t>Danceability</a:t>
             </a:r>
             <a:r>
-              <a:rPr lang="en-US" dirty="0" smtClean="0"/>
+              <a:rPr lang="en-US" dirty="0"/>
               <a:t> attribute:</a:t>
             </a:r>
           </a:p>
@@ -3296,81 +3450,46 @@
             <a:pPr lvl="1"/>
             <a:r>
               <a:rPr lang="en-US" dirty="0"/>
-              <a:t>A value of </a:t>
-            </a:r>
-            <a:r>
-              <a:rPr lang="en-US" dirty="0" smtClean="0"/>
-              <a:t>0 </a:t>
-            </a:r>
+              <a:t>A value of 0 is least danceable and 1 is most danceable.</a:t>
+            </a:r>
+          </a:p>
+          <a:p>
             <a:r>
               <a:rPr lang="en-US" dirty="0"/>
-              <a:t>is least danceable and </a:t>
-            </a:r>
-            <a:r>
-              <a:rPr lang="en-US" dirty="0" smtClean="0"/>
-              <a:t>1 </a:t>
-            </a:r>
+              <a:t>Overall statistics:</a:t>
+            </a:r>
+          </a:p>
+          <a:p>
+            <a:pPr lvl="1"/>
             <a:r>
               <a:rPr lang="en-US" dirty="0"/>
-              <a:t>is most </a:t>
-            </a:r>
-            <a:r>
-              <a:rPr lang="en-US" dirty="0" smtClean="0"/>
-              <a:t>danceable.</a:t>
-            </a:r>
-            <a:endParaRPr lang="en-US" dirty="0"/>
-          </a:p>
-          <a:p>
-            <a:r>
-              <a:rPr lang="en-US" dirty="0" smtClean="0"/>
-              <a:t>Overall statistics:</a:t>
+              <a:t>Mean: 0.556582</a:t>
             </a:r>
           </a:p>
           <a:p>
             <a:pPr lvl="1"/>
             <a:r>
-              <a:rPr lang="en-US" dirty="0" smtClean="0"/>
-              <a:t>Mean</a:t>
+              <a:rPr lang="en-US" dirty="0" err="1"/>
+              <a:t>Std</a:t>
             </a:r>
             <a:r>
               <a:rPr lang="en-US" dirty="0"/>
-              <a:t>: </a:t>
-            </a:r>
-            <a:r>
-              <a:rPr lang="en-US" dirty="0" smtClean="0"/>
-              <a:t>0.556582</a:t>
+              <a:t>: 0.171023</a:t>
             </a:r>
           </a:p>
           <a:p>
             <a:pPr lvl="1"/>
             <a:r>
-              <a:rPr lang="en-US" dirty="0" err="1" smtClean="0"/>
-              <a:t>Std</a:t>
-            </a:r>
-            <a:r>
-              <a:rPr lang="en-US" dirty="0" smtClean="0"/>
-              <a:t>: </a:t>
-            </a:r>
-            <a:r>
               <a:rPr lang="en-US" dirty="0"/>
-              <a:t>0.171023</a:t>
+              <a:t>Min: 0.064700</a:t>
             </a:r>
           </a:p>
           <a:p>
             <a:pPr lvl="1"/>
             <a:r>
-              <a:rPr lang="en-US" dirty="0" smtClean="0"/>
-              <a:t>Min: 0.064700</a:t>
-            </a:r>
-            <a:endParaRPr lang="en-US" dirty="0"/>
-          </a:p>
-          <a:p>
-            <a:pPr lvl="1"/>
-            <a:r>
-              <a:rPr lang="en-US" dirty="0" smtClean="0"/>
+              <a:rPr lang="en-US" dirty="0"/>
               <a:t>Max: 0.969000</a:t>
             </a:r>
-            <a:endParaRPr lang="en-US" dirty="0"/>
           </a:p>
         </p:txBody>
       </p:sp>
@@ -3433,13 +3552,6 @@
   <p:clrMapOvr>
     <a:masterClrMapping/>
   </p:clrMapOvr>
-  <p:timing>
-    <p:tnLst>
-      <p:par>
-        <p:cTn id="1" dur="indefinite" restart="never" nodeType="tmRoot"/>
-      </p:par>
-    </p:tnLst>
-  </p:timing>
 </p:sld>
 </file>
 
@@ -3476,14 +3588,13 @@
           <a:lstStyle/>
           <a:p>
             <a:r>
-              <a:rPr lang="en-US" dirty="0" err="1" smtClean="0"/>
+              <a:rPr lang="en-US" dirty="0" err="1"/>
               <a:t>Danceability</a:t>
             </a:r>
             <a:r>
-              <a:rPr lang="en-US" dirty="0" smtClean="0"/>
+              <a:rPr lang="en-US" dirty="0"/>
               <a:t> exploitation</a:t>
             </a:r>
-            <a:endParaRPr lang="en-US" dirty="0"/>
           </a:p>
         </p:txBody>
       </p:sp>
@@ -3503,37 +3614,29 @@
           <a:lstStyle/>
           <a:p>
             <a:r>
-              <a:rPr lang="en-US" dirty="0" smtClean="0"/>
+              <a:rPr lang="en-US" dirty="0"/>
               <a:t>Based on the </a:t>
             </a:r>
             <a:r>
-              <a:rPr lang="en-US" dirty="0" err="1" smtClean="0"/>
+              <a:rPr lang="en-US" dirty="0" err="1"/>
               <a:t>danceability</a:t>
             </a:r>
             <a:r>
-              <a:rPr lang="en-US" dirty="0" smtClean="0"/>
+              <a:rPr lang="en-US" dirty="0"/>
               <a:t> by genre, we obtain the following results:</a:t>
             </a:r>
           </a:p>
           <a:p>
             <a:pPr lvl="1"/>
             <a:r>
-              <a:rPr lang="en-US" dirty="0" smtClean="0"/>
-              <a:t>Techno, hip-hop and reggae have the highest </a:t>
-            </a:r>
-            <a:r>
               <a:rPr lang="en-US" dirty="0"/>
-              <a:t>average </a:t>
-            </a:r>
-            <a:r>
-              <a:rPr lang="en-US" dirty="0" smtClean="0"/>
-              <a:t> score of about 0.72-0.73</a:t>
+              <a:t>Techno, hip-hop and reggae have the highest average  score of about 0.72-0.73</a:t>
             </a:r>
           </a:p>
           <a:p>
             <a:pPr lvl="1"/>
             <a:r>
-              <a:rPr lang="en-US" dirty="0" smtClean="0"/>
+              <a:rPr lang="en-US" dirty="0"/>
               <a:t>Classical has the lowest average score of about 0.29.</a:t>
             </a:r>
           </a:p>
@@ -3635,56 +3738,33 @@
           <a:lstStyle/>
           <a:p>
             <a:r>
-              <a:rPr lang="en-US" dirty="0" smtClean="0"/>
+              <a:rPr lang="en-US" dirty="0"/>
               <a:t>Since our data set was well balanced, we used accuracy as measure for each model</a:t>
             </a:r>
           </a:p>
           <a:p>
             <a:r>
-              <a:rPr lang="en-US" dirty="0" smtClean="0"/>
+              <a:rPr lang="en-US" dirty="0"/>
               <a:t>We plotted the confusion matrix for the best model to assess the classification distribution.</a:t>
             </a:r>
           </a:p>
           <a:p>
             <a:r>
-              <a:rPr lang="en-US" dirty="0" smtClean="0"/>
+              <a:rPr lang="en-US" dirty="0"/>
               <a:t>Models include Logistic Regression, Decision Tree, Naïve Bayes, Neural Network, SVM and Random Forest.</a:t>
             </a:r>
-            <a:endParaRPr lang="en-US" dirty="0"/>
-          </a:p>
-          <a:p>
-            <a:r>
-              <a:rPr lang="en-US" dirty="0" smtClean="0"/>
-              <a:t>For each model, we performed </a:t>
-            </a:r>
+          </a:p>
+          <a:p>
             <a:r>
               <a:rPr lang="en-US" dirty="0"/>
-              <a:t>10-fold cross </a:t>
-            </a:r>
-            <a:r>
-              <a:rPr lang="en-US" dirty="0" smtClean="0"/>
-              <a:t>validation.</a:t>
-            </a:r>
-            <a:endParaRPr lang="en-US" dirty="0"/>
+              <a:t>For each model, we performed 10-fold cross validation.</a:t>
+            </a:r>
           </a:p>
           <a:p>
             <a:r>
               <a:rPr lang="en-US" dirty="0"/>
-              <a:t>Results </a:t>
-            </a:r>
-            <a:r>
-              <a:rPr lang="en-US" dirty="0" smtClean="0"/>
-              <a:t>on the </a:t>
-            </a:r>
-            <a:r>
-              <a:rPr lang="en-US" dirty="0"/>
-              <a:t>next </a:t>
-            </a:r>
-            <a:r>
-              <a:rPr lang="en-US" dirty="0" smtClean="0"/>
-              <a:t>slide are not exhaustive.</a:t>
-            </a:r>
-            <a:endParaRPr lang="en-US" dirty="0"/>
+              <a:t>Results on the next slide are not exhaustive.</a:t>
+            </a:r>
           </a:p>
         </p:txBody>
       </p:sp>
@@ -3794,21 +3874,21 @@
                 <a:gridCol w="2209800">
                   <a:extLst>
                     <a:ext uri="{9D8B030D-6E8A-4147-A177-3AD203B41FA5}">
-                      <a16:colId xmlns:a16="http://schemas.microsoft.com/office/drawing/2014/main" xmlns="" val="3030602544"/>
+                      <a16:colId xmlns:a16="http://schemas.microsoft.com/office/drawing/2014/main" val="3030602544"/>
                     </a:ext>
                   </a:extLst>
                 </a:gridCol>
                 <a:gridCol w="3505200">
                   <a:extLst>
                     <a:ext uri="{9D8B030D-6E8A-4147-A177-3AD203B41FA5}">
-                      <a16:colId xmlns:a16="http://schemas.microsoft.com/office/drawing/2014/main" xmlns="" val="2590406836"/>
+                      <a16:colId xmlns:a16="http://schemas.microsoft.com/office/drawing/2014/main" val="2590406836"/>
                     </a:ext>
                   </a:extLst>
                 </a:gridCol>
                 <a:gridCol w="1752600">
                   <a:extLst>
                     <a:ext uri="{9D8B030D-6E8A-4147-A177-3AD203B41FA5}">
-                      <a16:colId xmlns:a16="http://schemas.microsoft.com/office/drawing/2014/main" xmlns="" val="2422119549"/>
+                      <a16:colId xmlns:a16="http://schemas.microsoft.com/office/drawing/2014/main" val="2422119549"/>
                     </a:ext>
                   </a:extLst>
                 </a:gridCol>
@@ -3855,7 +3935,7 @@
                 </a:tc>
                 <a:extLst>
                   <a:ext uri="{0D108BD9-81ED-4DB2-BD59-A6C34878D82A}">
-                    <a16:rowId xmlns:a16="http://schemas.microsoft.com/office/drawing/2014/main" xmlns="" val="87940141"/>
+                    <a16:rowId xmlns:a16="http://schemas.microsoft.com/office/drawing/2014/main" val="87940141"/>
                   </a:ext>
                 </a:extLst>
               </a:tr>
@@ -3897,17 +3977,16 @@
                     <a:lstStyle/>
                     <a:p>
                       <a:r>
-                        <a:rPr lang="en-US" dirty="0" smtClean="0"/>
+                        <a:rPr lang="en-US" dirty="0"/>
                         <a:t>0.055</a:t>
                       </a:r>
-                      <a:endParaRPr lang="en-US" dirty="0"/>
                     </a:p>
                   </a:txBody>
                   <a:tcPr anchor="ctr"/>
                 </a:tc>
                 <a:extLst>
                   <a:ext uri="{0D108BD9-81ED-4DB2-BD59-A6C34878D82A}">
-                    <a16:rowId xmlns:a16="http://schemas.microsoft.com/office/drawing/2014/main" xmlns="" val="2082379726"/>
+                    <a16:rowId xmlns:a16="http://schemas.microsoft.com/office/drawing/2014/main" val="2082379726"/>
                   </a:ext>
                 </a:extLst>
               </a:tr>
@@ -3928,10 +4007,9 @@
                     <a:lstStyle/>
                     <a:p>
                       <a:r>
-                        <a:rPr lang="en-US" dirty="0" smtClean="0"/>
+                        <a:rPr lang="en-US" dirty="0"/>
                         <a:t>Predicting the majority class</a:t>
                       </a:r>
-                      <a:endParaRPr lang="en-US" dirty="0"/>
                     </a:p>
                   </a:txBody>
                   <a:tcPr anchor="ctr"/>
@@ -3942,17 +4020,16 @@
                     <a:lstStyle/>
                     <a:p>
                       <a:r>
-                        <a:rPr lang="en-US" dirty="0" smtClean="0"/>
+                        <a:rPr lang="en-US" dirty="0"/>
                         <a:t>0.05</a:t>
                       </a:r>
-                      <a:endParaRPr lang="en-US" dirty="0"/>
                     </a:p>
                   </a:txBody>
                   <a:tcPr anchor="ctr"/>
                 </a:tc>
                 <a:extLst>
                   <a:ext uri="{0D108BD9-81ED-4DB2-BD59-A6C34878D82A}">
-                    <a16:rowId xmlns:a16="http://schemas.microsoft.com/office/drawing/2014/main" xmlns="" val="2507870546"/>
+                    <a16:rowId xmlns:a16="http://schemas.microsoft.com/office/drawing/2014/main" val="2507870546"/>
                   </a:ext>
                 </a:extLst>
               </a:tr>
@@ -3981,11 +4058,7 @@
                       </a:r>
                       <a:r>
                         <a:rPr lang="en-US" baseline="0" dirty="0"/>
-                        <a:t> = l2, </a:t>
-                      </a:r>
-                      <a:r>
-                        <a:rPr lang="en-US" baseline="0" dirty="0" smtClean="0"/>
-                        <a:t>C=0.01</a:t>
+                        <a:t> = l2, C=0.01</a:t>
                       </a:r>
                       <a:endParaRPr lang="en-US" dirty="0"/>
                     </a:p>
@@ -3998,17 +4071,16 @@
                     <a:lstStyle/>
                     <a:p>
                       <a:r>
-                        <a:rPr lang="en-US" dirty="0" smtClean="0"/>
+                        <a:rPr lang="en-US" dirty="0"/>
                         <a:t>0.335</a:t>
                       </a:r>
-                      <a:endParaRPr lang="en-US" dirty="0"/>
                     </a:p>
                   </a:txBody>
                   <a:tcPr anchor="ctr"/>
                 </a:tc>
                 <a:extLst>
                   <a:ext uri="{0D108BD9-81ED-4DB2-BD59-A6C34878D82A}">
-                    <a16:rowId xmlns:a16="http://schemas.microsoft.com/office/drawing/2014/main" xmlns="" val="3516908593"/>
+                    <a16:rowId xmlns:a16="http://schemas.microsoft.com/office/drawing/2014/main" val="3516908593"/>
                   </a:ext>
                 </a:extLst>
               </a:tr>
@@ -4051,11 +4123,7 @@
                       </a:r>
                       <a:r>
                         <a:rPr lang="en-US" baseline="0" dirty="0"/>
-                        <a:t> = l2, </a:t>
-                      </a:r>
-                      <a:r>
-                        <a:rPr lang="en-US" baseline="0" dirty="0" smtClean="0"/>
-                        <a:t>C=40</a:t>
+                        <a:t> = l2, C=40</a:t>
                       </a:r>
                       <a:endParaRPr lang="en-US" dirty="0"/>
                     </a:p>
@@ -4068,17 +4136,16 @@
                     <a:lstStyle/>
                     <a:p>
                       <a:r>
-                        <a:rPr lang="en-US" dirty="0" smtClean="0"/>
+                        <a:rPr lang="en-US" dirty="0"/>
                         <a:t>0.37</a:t>
                       </a:r>
-                      <a:endParaRPr lang="en-US" dirty="0"/>
                     </a:p>
                   </a:txBody>
                   <a:tcPr anchor="ctr"/>
                 </a:tc>
                 <a:extLst>
                   <a:ext uri="{0D108BD9-81ED-4DB2-BD59-A6C34878D82A}">
-                    <a16:rowId xmlns:a16="http://schemas.microsoft.com/office/drawing/2014/main" xmlns="" val="2199381540"/>
+                    <a16:rowId xmlns:a16="http://schemas.microsoft.com/office/drawing/2014/main" val="2199381540"/>
                   </a:ext>
                 </a:extLst>
               </a:tr>
@@ -4104,19 +4171,7 @@
                       </a:r>
                       <a:r>
                         <a:rPr lang="en-US" baseline="0" dirty="0"/>
-                        <a:t> = </a:t>
-                      </a:r>
-                      <a:r>
-                        <a:rPr lang="en-US" baseline="0" dirty="0" smtClean="0"/>
-                        <a:t>l2, </a:t>
-                      </a:r>
-                      <a:r>
-                        <a:rPr lang="en-US" baseline="0" dirty="0"/>
-                        <a:t>C = </a:t>
-                      </a:r>
-                      <a:r>
-                        <a:rPr lang="en-US" baseline="0" dirty="0" smtClean="0"/>
-                        <a:t>170</a:t>
+                        <a:t> = l2, C = 170</a:t>
                       </a:r>
                       <a:endParaRPr lang="en-US" dirty="0"/>
                     </a:p>
@@ -4129,31 +4184,29 @@
                     <a:lstStyle/>
                     <a:p>
                       <a:r>
-                        <a:rPr lang="en-US" dirty="0" smtClean="0"/>
+                        <a:rPr lang="en-US" dirty="0"/>
                         <a:t>0.371</a:t>
                       </a:r>
-                      <a:endParaRPr lang="en-US" dirty="0"/>
                     </a:p>
                   </a:txBody>
                   <a:tcPr anchor="ctr"/>
                 </a:tc>
                 <a:extLst>
                   <a:ext uri="{0D108BD9-81ED-4DB2-BD59-A6C34878D82A}">
-                    <a16:rowId xmlns:a16="http://schemas.microsoft.com/office/drawing/2014/main" xmlns="" val="3637674884"/>
+                    <a16:rowId xmlns:a16="http://schemas.microsoft.com/office/drawing/2014/main" val="3637674884"/>
                   </a:ext>
                 </a:extLst>
               </a:tr>
-              <a:tr h="370840">
+              <a:tr h="640080">
                 <a:tc>
                   <a:txBody>
                     <a:bodyPr/>
                     <a:lstStyle/>
                     <a:p>
                       <a:r>
-                        <a:rPr lang="en-US" dirty="0" smtClean="0"/>
+                        <a:rPr lang="en-US" dirty="0"/>
                         <a:t>Neural Network</a:t>
                       </a:r>
-                      <a:endParaRPr lang="en-US" dirty="0"/>
                     </a:p>
                   </a:txBody>
                   <a:tcPr anchor="ctr"/>
@@ -4164,24 +4217,23 @@
                     <a:lstStyle/>
                     <a:p>
                       <a:r>
-                        <a:rPr lang="en-US" dirty="0" smtClean="0">
+                        <a:rPr lang="en-US" dirty="0">
                           <a:effectLst/>
                         </a:rPr>
                         <a:t>Activation=</a:t>
                       </a:r>
                       <a:r>
-                        <a:rPr lang="en-US" dirty="0" smtClean="0"/>
+                        <a:rPr lang="en-US" dirty="0"/>
                         <a:t>identity, </a:t>
                       </a:r>
                       <a:r>
-                        <a:rPr lang="en-US" dirty="0" err="1" smtClean="0"/>
+                        <a:rPr lang="en-US" dirty="0" err="1"/>
                         <a:t>hid_layer</a:t>
                       </a:r>
                       <a:r>
-                        <a:rPr lang="en-US" dirty="0" smtClean="0"/>
+                        <a:rPr lang="en-US" dirty="0"/>
                         <a:t>=50, alpha=0.1</a:t>
                       </a:r>
-                      <a:endParaRPr lang="en-US" dirty="0"/>
                     </a:p>
                   </a:txBody>
                   <a:tcPr anchor="ctr"/>
@@ -4192,21 +4244,20 @@
                     <a:lstStyle/>
                     <a:p>
                       <a:r>
-                        <a:rPr lang="en-US" dirty="0" smtClean="0"/>
+                        <a:rPr lang="en-US" dirty="0"/>
                         <a:t>0.372</a:t>
                       </a:r>
-                      <a:endParaRPr lang="en-US" dirty="0"/>
                     </a:p>
                   </a:txBody>
                   <a:tcPr anchor="ctr"/>
                 </a:tc>
                 <a:extLst>
                   <a:ext uri="{0D108BD9-81ED-4DB2-BD59-A6C34878D82A}">
-                    <a16:rowId xmlns:a16="http://schemas.microsoft.com/office/drawing/2014/main" xmlns="" val="3748847776"/>
+                    <a16:rowId xmlns:a16="http://schemas.microsoft.com/office/drawing/2014/main" val="3748847776"/>
                   </a:ext>
                 </a:extLst>
               </a:tr>
-              <a:tr h="370840">
+              <a:tr h="640080">
                 <a:tc>
                   <a:txBody>
                     <a:bodyPr/>
@@ -4223,24 +4274,23 @@
                     <a:lstStyle/>
                     <a:p>
                       <a:r>
-                        <a:rPr lang="en-US" dirty="0" smtClean="0">
+                        <a:rPr lang="en-US" dirty="0">
                           <a:effectLst/>
                         </a:rPr>
                         <a:t>Activation=</a:t>
                       </a:r>
                       <a:r>
-                        <a:rPr lang="en-US" dirty="0" smtClean="0"/>
+                        <a:rPr lang="en-US" dirty="0"/>
                         <a:t>logistic, </a:t>
                       </a:r>
                       <a:r>
-                        <a:rPr lang="en-US" dirty="0" err="1" smtClean="0"/>
+                        <a:rPr lang="en-US" dirty="0" err="1"/>
                         <a:t>hid_layer</a:t>
                       </a:r>
                       <a:r>
-                        <a:rPr lang="en-US" dirty="0" smtClean="0"/>
+                        <a:rPr lang="en-US" dirty="0"/>
                         <a:t>=20, alpha=5</a:t>
                       </a:r>
-                      <a:endParaRPr lang="en-US" dirty="0"/>
                     </a:p>
                   </a:txBody>
                   <a:tcPr anchor="ctr"/>
@@ -4251,17 +4301,16 @@
                     <a:lstStyle/>
                     <a:p>
                       <a:r>
-                        <a:rPr lang="en-US" dirty="0" smtClean="0"/>
+                        <a:rPr lang="en-US" dirty="0"/>
                         <a:t>0.3725 </a:t>
                       </a:r>
-                      <a:endParaRPr lang="en-US" dirty="0"/>
                     </a:p>
                   </a:txBody>
                   <a:tcPr anchor="ctr"/>
                 </a:tc>
                 <a:extLst>
                   <a:ext uri="{0D108BD9-81ED-4DB2-BD59-A6C34878D82A}">
-                    <a16:rowId xmlns:a16="http://schemas.microsoft.com/office/drawing/2014/main" xmlns="" val="3629774451"/>
+                    <a16:rowId xmlns:a16="http://schemas.microsoft.com/office/drawing/2014/main" val="3629774451"/>
                   </a:ext>
                 </a:extLst>
               </a:tr>
@@ -4289,7 +4338,7 @@
                         <a:defRPr/>
                       </a:pPr>
                       <a:r>
-                        <a:rPr lang="en-US" dirty="0" smtClean="0"/>
+                        <a:rPr lang="en-US" dirty="0"/>
                         <a:t>SVM</a:t>
                       </a:r>
                     </a:p>
@@ -4302,18 +4351,17 @@
                     <a:lstStyle/>
                     <a:p>
                       <a:r>
-                        <a:rPr lang="en-US" dirty="0" smtClean="0"/>
+                        <a:rPr lang="en-US" dirty="0"/>
                         <a:t>Kernel=‘</a:t>
                       </a:r>
                       <a:r>
-                        <a:rPr lang="en-US" dirty="0" err="1" smtClean="0"/>
+                        <a:rPr lang="en-US" dirty="0" err="1"/>
                         <a:t>rbf</a:t>
                       </a:r>
                       <a:r>
-                        <a:rPr lang="en-US" dirty="0" smtClean="0"/>
+                        <a:rPr lang="en-US" dirty="0"/>
                         <a:t> ‘, C=1</a:t>
                       </a:r>
-                      <a:endParaRPr lang="en-US" dirty="0"/>
                     </a:p>
                   </a:txBody>
                   <a:tcPr anchor="ctr"/>
@@ -4324,17 +4372,16 @@
                     <a:lstStyle/>
                     <a:p>
                       <a:r>
-                        <a:rPr lang="en-US" dirty="0" smtClean="0"/>
+                        <a:rPr lang="en-US" dirty="0"/>
                         <a:t>0.346 </a:t>
                       </a:r>
-                      <a:endParaRPr lang="en-US" dirty="0"/>
                     </a:p>
                   </a:txBody>
                   <a:tcPr anchor="ctr"/>
                 </a:tc>
                 <a:extLst>
                   <a:ext uri="{0D108BD9-81ED-4DB2-BD59-A6C34878D82A}">
-                    <a16:rowId xmlns:a16="http://schemas.microsoft.com/office/drawing/2014/main" xmlns="" val="1594082664"/>
+                    <a16:rowId xmlns:a16="http://schemas.microsoft.com/office/drawing/2014/main" val="1594082664"/>
                   </a:ext>
                 </a:extLst>
               </a:tr>
@@ -4355,11 +4402,11 @@
                     <a:lstStyle/>
                     <a:p>
                       <a:r>
-                        <a:rPr lang="en-US" dirty="0" smtClean="0"/>
+                        <a:rPr lang="en-US" dirty="0"/>
                         <a:t>Kernel=‘linear’,</a:t>
                       </a:r>
                       <a:r>
-                        <a:rPr lang="en-US" baseline="0" dirty="0" smtClean="0"/>
+                        <a:rPr lang="en-US" baseline="0" dirty="0"/>
                         <a:t> C=0.1</a:t>
                       </a:r>
                       <a:endParaRPr lang="en-US" dirty="0"/>
@@ -4373,17 +4420,16 @@
                     <a:lstStyle/>
                     <a:p>
                       <a:r>
-                        <a:rPr lang="en-US" dirty="0" smtClean="0"/>
+                        <a:rPr lang="en-US" dirty="0"/>
                         <a:t>0.3665 </a:t>
                       </a:r>
-                      <a:endParaRPr lang="en-US" dirty="0"/>
                     </a:p>
                   </a:txBody>
                   <a:tcPr anchor="ctr"/>
                 </a:tc>
                 <a:extLst>
                   <a:ext uri="{0D108BD9-81ED-4DB2-BD59-A6C34878D82A}">
-                    <a16:rowId xmlns:a16="http://schemas.microsoft.com/office/drawing/2014/main" xmlns="" val="2824835460"/>
+                    <a16:rowId xmlns:a16="http://schemas.microsoft.com/office/drawing/2014/main" val="2824835460"/>
                   </a:ext>
                 </a:extLst>
               </a:tr>
@@ -4394,10 +4440,9 @@
                     <a:lstStyle/>
                     <a:p>
                       <a:r>
-                        <a:rPr lang="en-US" dirty="0" smtClean="0"/>
+                        <a:rPr lang="en-US" dirty="0"/>
                         <a:t>Random Forest</a:t>
                       </a:r>
-                      <a:endParaRPr lang="en-US" dirty="0"/>
                     </a:p>
                   </a:txBody>
                   <a:tcPr anchor="ctr"/>
@@ -4408,10 +4453,9 @@
                     <a:lstStyle/>
                     <a:p>
                       <a:r>
-                        <a:rPr lang="en-US" dirty="0" smtClean="0"/>
+                        <a:rPr lang="en-US" dirty="0"/>
                         <a:t>Estimator = 70</a:t>
                       </a:r>
-                      <a:endParaRPr lang="en-US" dirty="0"/>
                     </a:p>
                   </a:txBody>
                   <a:tcPr anchor="ctr"/>
@@ -4422,17 +4466,16 @@
                     <a:lstStyle/>
                     <a:p>
                       <a:r>
-                        <a:rPr lang="en-US" dirty="0" smtClean="0"/>
+                        <a:rPr lang="en-US" dirty="0"/>
                         <a:t>0.361</a:t>
                       </a:r>
-                      <a:endParaRPr lang="en-US" dirty="0"/>
                     </a:p>
                   </a:txBody>
                   <a:tcPr anchor="ctr"/>
                 </a:tc>
                 <a:extLst>
                   <a:ext uri="{0D108BD9-81ED-4DB2-BD59-A6C34878D82A}">
-                    <a16:rowId xmlns:a16="http://schemas.microsoft.com/office/drawing/2014/main" xmlns="" val="3997937334"/>
+                    <a16:rowId xmlns:a16="http://schemas.microsoft.com/office/drawing/2014/main" val="3997937334"/>
                   </a:ext>
                 </a:extLst>
               </a:tr>
@@ -4489,27 +4532,14 @@
           <a:p>
             <a:r>
               <a:rPr lang="en-US" dirty="0"/>
-              <a:t>Best model and parameter setting </a:t>
-            </a:r>
-            <a:r>
-              <a:rPr lang="en-US" dirty="0" smtClean="0"/>
-              <a:t>considering </a:t>
-            </a:r>
-          </a:p>
-          <a:p>
-            <a:r>
-              <a:rPr lang="en-US" dirty="0" smtClean="0"/>
-              <a:t>efficiency AND speed was </a:t>
-            </a:r>
-            <a:r>
-              <a:rPr lang="en-US" dirty="0" smtClean="0"/>
-              <a:t>using </a:t>
-            </a:r>
-            <a:r>
-              <a:rPr lang="en-US" dirty="0" smtClean="0"/>
-              <a:t>Logistic Regression</a:t>
-            </a:r>
-            <a:endParaRPr lang="en-US" dirty="0"/>
+              <a:t>Best model and parameter setting considering </a:t>
+            </a:r>
+          </a:p>
+          <a:p>
+            <a:r>
+              <a:rPr lang="en-US" dirty="0"/>
+              <a:t>efficiency AND speed was using Logistic Regression</a:t>
+            </a:r>
           </a:p>
         </p:txBody>
       </p:sp>
@@ -4565,8 +4595,8 @@
           </a:p>
         </p:txBody>
       </p:sp>
-      <mc:AlternateContent xmlns:mc="http://schemas.openxmlformats.org/markup-compatibility/2006">
-        <mc:Choice xmlns:a14="http://schemas.microsoft.com/office/drawing/2010/main" Requires="a14">
+      <mc:AlternateContent xmlns:mc="http://schemas.openxmlformats.org/markup-compatibility/2006" xmlns:a14="http://schemas.microsoft.com/office/drawing/2010/main">
+        <mc:Choice Requires="a14">
           <p:sp>
             <p:nvSpPr>
               <p:cNvPr id="3" name="Content Placeholder 2"/>
@@ -4585,7 +4615,7 @@
               <a:lstStyle/>
               <a:p>
                 <a:r>
-                  <a:rPr lang="en-US" dirty="0" smtClean="0"/>
+                  <a:rPr lang="en-US" dirty="0"/>
                   <a:t>Based on my model, which is Logistic Regression, top features </a:t>
                 </a:r>
                 <a14:m>
@@ -4599,7 +4629,7 @@
                   </m:oMath>
                 </a14:m>
                 <a:r>
-                  <a:rPr lang="en-US" dirty="0" smtClean="0"/>
+                  <a:rPr lang="en-US" dirty="0"/>
                   <a:t> for a few attributes </a:t>
                 </a:r>
                 <a14:m>
@@ -4613,69 +4643,16 @@
                   </m:oMath>
                 </a14:m>
                 <a:r>
-                  <a:rPr lang="en-US" dirty="0" smtClean="0"/>
+                  <a:rPr lang="en-US" dirty="0"/>
                   <a:t> are</a:t>
                 </a:r>
               </a:p>
               <a:p>
                 <a:pPr lvl="1"/>
                 <a:r>
-                  <a:rPr lang="en-US" dirty="0" smtClean="0"/>
-                  <a:t>Classical </a:t>
+                  <a:rPr lang="en-US" dirty="0"/>
+                  <a:t>Classical class</a:t>
                 </a:r>
-                <a:r>
-                  <a:rPr lang="en-US" dirty="0" smtClean="0"/>
-                  <a:t>class</a:t>
-                </a:r>
-                <a:endParaRPr lang="en-US" dirty="0"/>
-              </a:p>
-              <a:p>
-                <a:pPr lvl="2"/>
-                <a:r>
-                  <a:rPr lang="en-US" dirty="0" smtClean="0"/>
-                  <a:t>Best </a:t>
-                </a:r>
-                <a:r>
-                  <a:rPr lang="en-US" dirty="0" smtClean="0">
-                    <a:sym typeface="Wingdings"/>
-                  </a:rPr>
-                  <a:t> </a:t>
-                </a:r>
-                <a:r>
-                  <a:rPr lang="en-US" dirty="0" err="1" smtClean="0"/>
-                  <a:t>acousticness</a:t>
-                </a:r>
-                <a:endParaRPr lang="en-US" dirty="0"/>
-              </a:p>
-              <a:p>
-                <a:pPr lvl="2"/>
-                <a:r>
-                  <a:rPr lang="en-US" dirty="0"/>
-                  <a:t>W</a:t>
-                </a:r>
-                <a:r>
-                  <a:rPr lang="en-US" dirty="0" smtClean="0"/>
-                  <a:t>orst </a:t>
-                </a:r>
-                <a:r>
-                  <a:rPr lang="en-US" dirty="0" smtClean="0">
-                    <a:sym typeface="Wingdings"/>
-                  </a:rPr>
-                  <a:t> </a:t>
-                </a:r>
-                <a:r>
-                  <a:rPr lang="en-US" dirty="0" err="1" smtClean="0"/>
-                  <a:t>danceability</a:t>
-                </a:r>
-                <a:endParaRPr lang="en-US" dirty="0"/>
-              </a:p>
-              <a:p>
-                <a:pPr lvl="1"/>
-                <a:r>
-                  <a:rPr lang="en-US" dirty="0" smtClean="0"/>
-                  <a:t>Reggae class</a:t>
-                </a:r>
-                <a:endParaRPr lang="en-US" dirty="0"/>
               </a:p>
               <a:p>
                 <a:pPr lvl="2"/>
@@ -4690,51 +4667,8 @@
                   <a:t> </a:t>
                 </a:r>
                 <a:r>
-                  <a:rPr lang="en-US" dirty="0" err="1" smtClean="0"/>
-                  <a:t>speechiness</a:t>
-                </a:r>
-                <a:endParaRPr lang="en-US" dirty="0"/>
-              </a:p>
-              <a:p>
-                <a:pPr lvl="2"/>
-                <a:r>
-                  <a:rPr lang="en-US" dirty="0" smtClean="0"/>
-                  <a:t>Worst </a:t>
-                </a:r>
-                <a:r>
-                  <a:rPr lang="en-US" dirty="0" smtClean="0">
-                    <a:sym typeface="Wingdings"/>
-                  </a:rPr>
-                  <a:t> </a:t>
-                </a:r>
-                <a:r>
-                  <a:rPr lang="en-US" dirty="0" smtClean="0"/>
-                  <a:t>energy</a:t>
-                </a:r>
-              </a:p>
-              <a:p>
-                <a:pPr lvl="1"/>
-                <a:r>
-                  <a:rPr lang="en-US" dirty="0" smtClean="0"/>
-                  <a:t>Heavy-metal class</a:t>
-                </a:r>
-                <a:endParaRPr lang="en-US" dirty="0"/>
-              </a:p>
-              <a:p>
-                <a:pPr lvl="2"/>
-                <a:r>
-                  <a:rPr lang="en-US" dirty="0"/>
-                  <a:t>Best </a:t>
-                </a:r>
-                <a:r>
-                  <a:rPr lang="en-US" dirty="0">
-                    <a:sym typeface="Wingdings"/>
-                  </a:rPr>
-                  <a:t> </a:t>
-                </a:r>
-                <a:r>
-                  <a:rPr lang="en-US" dirty="0" smtClean="0"/>
-                  <a:t>energy</a:t>
+                  <a:rPr lang="en-US" dirty="0" err="1"/>
+                  <a:t>acousticness</a:t>
                 </a:r>
                 <a:endParaRPr lang="en-US" dirty="0"/>
               </a:p>
@@ -4751,15 +4685,98 @@
                   <a:t> </a:t>
                 </a:r>
                 <a:r>
-                  <a:rPr lang="en-US" smtClean="0"/>
+                  <a:rPr lang="en-US" dirty="0" err="1"/>
+                  <a:t>danceability</a:t>
+                </a:r>
+                <a:endParaRPr lang="en-US" dirty="0"/>
+              </a:p>
+              <a:p>
+                <a:pPr lvl="1"/>
+                <a:r>
+                  <a:rPr lang="en-US" dirty="0"/>
+                  <a:t>Reggae class</a:t>
+                </a:r>
+              </a:p>
+              <a:p>
+                <a:pPr lvl="2"/>
+                <a:r>
+                  <a:rPr lang="en-US" dirty="0"/>
+                  <a:t>Best </a:t>
+                </a:r>
+                <a:r>
+                  <a:rPr lang="en-US" dirty="0">
+                    <a:sym typeface="Wingdings"/>
+                  </a:rPr>
+                  <a:t> </a:t>
+                </a:r>
+                <a:r>
+                  <a:rPr lang="en-US" dirty="0" err="1"/>
+                  <a:t>speechiness</a:t>
+                </a:r>
+                <a:endParaRPr lang="en-US" dirty="0"/>
+              </a:p>
+              <a:p>
+                <a:pPr lvl="2"/>
+                <a:r>
+                  <a:rPr lang="en-US" dirty="0"/>
+                  <a:t>Worst </a:t>
+                </a:r>
+                <a:r>
+                  <a:rPr lang="en-US" dirty="0">
+                    <a:sym typeface="Wingdings"/>
+                  </a:rPr>
+                  <a:t> </a:t>
+                </a:r>
+                <a:r>
+                  <a:rPr lang="en-US" dirty="0"/>
+                  <a:t>energy</a:t>
+                </a:r>
+              </a:p>
+              <a:p>
+                <a:pPr lvl="1"/>
+                <a:r>
+                  <a:rPr lang="en-US" dirty="0"/>
+                  <a:t>Heavy-metal class</a:t>
+                </a:r>
+              </a:p>
+              <a:p>
+                <a:pPr lvl="2"/>
+                <a:r>
+                  <a:rPr lang="en-US" dirty="0"/>
+                  <a:t>Best </a:t>
+                </a:r>
+                <a:r>
+                  <a:rPr lang="en-US" dirty="0">
+                    <a:sym typeface="Wingdings"/>
+                  </a:rPr>
+                  <a:t> </a:t>
+                </a:r>
+                <a:r>
+                  <a:rPr lang="en-US" dirty="0"/>
+                  <a:t>energy</a:t>
+                </a:r>
+              </a:p>
+              <a:p>
+                <a:pPr lvl="2"/>
+                <a:r>
+                  <a:rPr lang="en-US" dirty="0"/>
+                  <a:t>Worst </a:t>
+                </a:r>
+                <a:r>
+                  <a:rPr lang="en-US" dirty="0">
+                    <a:sym typeface="Wingdings"/>
+                  </a:rPr>
+                  <a:t> </a:t>
+                </a:r>
+                <a:r>
+                  <a:rPr lang="en-US"/>
                   <a:t>acousticness</a:t>
                 </a:r>
-                <a:endParaRPr lang="en-US"/>
               </a:p>
             </p:txBody>
           </p:sp>
         </mc:Choice>
-        <mc:Fallback>
+        <mc:Fallback xmlns="">
           <p:sp>
             <p:nvSpPr>
               <p:cNvPr id="3" name="Content Placeholder 2"/>
